--- a/mkdocs/docs/images/src/request-routing.pptx
+++ b/mkdocs/docs/images/src/request-routing.pptx
@@ -197,7 +197,7 @@
           <a:p>
             <a:fld id="{38B78CBE-37FA-D241-BB4C-CAC5D3B25F49}" type="datetimeFigureOut">
               <a:rPr lang="en-US" smtClean="0"/>
-              <a:t>4/26/21</a:t>
+              <a:t>4/28/21</a:t>
             </a:fld>
             <a:endParaRPr lang="en-US"/>
           </a:p>
@@ -611,7 +611,7 @@
           <a:p>
             <a:fld id="{708812C5-0212-FD42-A0D4-E2E8FF4E3AF5}" type="datetime1">
               <a:rPr lang="en-US" smtClean="0"/>
-              <a:t>4/26/21</a:t>
+              <a:t>4/28/21</a:t>
             </a:fld>
             <a:endParaRPr lang="en-US"/>
           </a:p>
@@ -812,7 +812,7 @@
           <a:p>
             <a:fld id="{D232AC6F-41C3-B34B-9BAA-03ED2F3BC0F6}" type="datetime1">
               <a:rPr lang="en-US" smtClean="0"/>
-              <a:t>4/26/21</a:t>
+              <a:t>4/28/21</a:t>
             </a:fld>
             <a:endParaRPr lang="en-US"/>
           </a:p>
@@ -1023,7 +1023,7 @@
           <a:p>
             <a:fld id="{BEE140C2-F440-9D49-95CB-5965D64CC4A2}" type="datetime1">
               <a:rPr lang="en-US" smtClean="0"/>
-              <a:t>4/26/21</a:t>
+              <a:t>4/28/21</a:t>
             </a:fld>
             <a:endParaRPr lang="en-US"/>
           </a:p>
@@ -1224,7 +1224,7 @@
           <a:p>
             <a:fld id="{CC99F980-FB29-FD47-8508-150F73F1E8B0}" type="datetime1">
               <a:rPr lang="en-US" smtClean="0"/>
-              <a:t>4/26/21</a:t>
+              <a:t>4/28/21</a:t>
             </a:fld>
             <a:endParaRPr lang="en-US"/>
           </a:p>
@@ -1502,7 +1502,7 @@
           <a:p>
             <a:fld id="{D4510983-EA22-9643-8AC0-B3C6499B643B}" type="datetime1">
               <a:rPr lang="en-US" smtClean="0"/>
-              <a:t>4/26/21</a:t>
+              <a:t>4/28/21</a:t>
             </a:fld>
             <a:endParaRPr lang="en-US"/>
           </a:p>
@@ -1770,7 +1770,7 @@
           <a:p>
             <a:fld id="{D5A39195-967D-5D4E-8C6A-C99866996458}" type="datetime1">
               <a:rPr lang="en-US" smtClean="0"/>
-              <a:t>4/26/21</a:t>
+              <a:t>4/28/21</a:t>
             </a:fld>
             <a:endParaRPr lang="en-US"/>
           </a:p>
@@ -2185,7 +2185,7 @@
           <a:p>
             <a:fld id="{5AD771E9-C79D-684D-A158-5EB6E92DE947}" type="datetime1">
               <a:rPr lang="en-US" smtClean="0"/>
-              <a:t>4/26/21</a:t>
+              <a:t>4/28/21</a:t>
             </a:fld>
             <a:endParaRPr lang="en-US"/>
           </a:p>
@@ -2329,7 +2329,7 @@
           <a:p>
             <a:fld id="{693CA161-7E4C-5C4B-B799-DB602A0B9806}" type="datetime1">
               <a:rPr lang="en-US" smtClean="0"/>
-              <a:t>4/26/21</a:t>
+              <a:t>4/28/21</a:t>
             </a:fld>
             <a:endParaRPr lang="en-US"/>
           </a:p>
@@ -2445,7 +2445,7 @@
           <a:p>
             <a:fld id="{6D55FDF3-8BB2-6349-A5FA-057F3D78953D}" type="datetime1">
               <a:rPr lang="en-US" smtClean="0"/>
-              <a:t>4/26/21</a:t>
+              <a:t>4/28/21</a:t>
             </a:fld>
             <a:endParaRPr lang="en-US"/>
           </a:p>
@@ -2759,7 +2759,7 @@
           <a:p>
             <a:fld id="{EEDFACC0-3228-BA4B-942E-CEF38B0101FD}" type="datetime1">
               <a:rPr lang="en-US" smtClean="0"/>
-              <a:t>4/26/21</a:t>
+              <a:t>4/28/21</a:t>
             </a:fld>
             <a:endParaRPr lang="en-US"/>
           </a:p>
@@ -3050,7 +3050,7 @@
           <a:p>
             <a:fld id="{07EEEDBE-E24C-D140-B419-6D8D592D0F1C}" type="datetime1">
               <a:rPr lang="en-US" smtClean="0"/>
-              <a:t>4/26/21</a:t>
+              <a:t>4/28/21</a:t>
             </a:fld>
             <a:endParaRPr lang="en-US"/>
           </a:p>
@@ -3294,7 +3294,7 @@
           <a:p>
             <a:fld id="{E05781A2-A5EF-C54C-A3EF-F62483D37EDC}" type="datetime1">
               <a:rPr lang="en-US" smtClean="0"/>
-              <a:t>4/26/21</a:t>
+              <a:t>4/28/21</a:t>
             </a:fld>
             <a:endParaRPr lang="en-US"/>
           </a:p>
@@ -3729,8 +3729,8 @@
         </p:nvSpPr>
         <p:spPr>
           <a:xfrm>
-            <a:off x="0" y="1086522"/>
-            <a:ext cx="12191999" cy="5077610"/>
+            <a:off x="0" y="1389528"/>
+            <a:ext cx="12191999" cy="4518745"/>
           </a:xfrm>
           <a:prstGeom prst="rect">
             <a:avLst/>
@@ -4073,8 +4073,8 @@
         </p:nvSpPr>
         <p:spPr>
           <a:xfrm>
-            <a:off x="1619543" y="3879346"/>
-            <a:ext cx="1987595" cy="369332"/>
+            <a:off x="1756197" y="3743222"/>
+            <a:ext cx="1730807" cy="646331"/>
           </a:xfrm>
           <a:prstGeom prst="rect">
             <a:avLst/>
@@ -4082,14 +4082,15 @@
           <a:noFill/>
         </p:spPr>
         <p:txBody>
-          <a:bodyPr wrap="none" rtlCol="0">
+          <a:bodyPr wrap="square" rtlCol="0">
             <a:spAutoFit/>
           </a:bodyPr>
           <a:lstStyle/>
           <a:p>
+            <a:pPr algn="ctr"/>
             <a:r>
               <a:rPr lang="en-US" dirty="0"/>
-              <a:t>Istio Virtual Service</a:t>
+              <a:t>Ingress / custom traffic resource</a:t>
             </a:r>
           </a:p>
         </p:txBody>
@@ -5856,60 +5857,6 @@
       </p:sp>
       <p:sp>
         <p:nvSpPr>
-          <p:cNvPr id="91" name="Rounded Rectangle 90">
-            <a:extLst>
-              <a:ext uri="{FF2B5EF4-FFF2-40B4-BE49-F238E27FC236}">
-                <a16:creationId xmlns:a16="http://schemas.microsoft.com/office/drawing/2014/main" id="{8ED85D70-8E1C-F14D-B23D-4077C7959F05}"/>
-              </a:ext>
-            </a:extLst>
-          </p:cNvPr>
-          <p:cNvSpPr/>
-          <p:nvPr/>
-        </p:nvSpPr>
-        <p:spPr>
-          <a:xfrm>
-            <a:off x="9571831" y="2861854"/>
-            <a:ext cx="816445" cy="1041636"/>
-          </a:xfrm>
-          <a:prstGeom prst="roundRect">
-            <a:avLst/>
-          </a:prstGeom>
-          <a:solidFill>
-            <a:schemeClr val="bg1"/>
-          </a:solidFill>
-          <a:ln>
-            <a:solidFill>
-              <a:schemeClr val="bg1"/>
-            </a:solidFill>
-          </a:ln>
-        </p:spPr>
-        <p:style>
-          <a:lnRef idx="2">
-            <a:schemeClr val="accent1">
-              <a:shade val="50000"/>
-            </a:schemeClr>
-          </a:lnRef>
-          <a:fillRef idx="1">
-            <a:schemeClr val="accent1"/>
-          </a:fillRef>
-          <a:effectRef idx="0">
-            <a:schemeClr val="accent1"/>
-          </a:effectRef>
-          <a:fontRef idx="minor">
-            <a:schemeClr val="lt1"/>
-          </a:fontRef>
-        </p:style>
-        <p:txBody>
-          <a:bodyPr rtlCol="0" anchor="ctr"/>
-          <a:lstStyle/>
-          <a:p>
-            <a:pPr algn="ctr"/>
-            <a:endParaRPr lang="en-US"/>
-          </a:p>
-        </p:txBody>
-      </p:sp>
-      <p:sp>
-        <p:nvSpPr>
           <p:cNvPr id="2" name="TextBox 1">
             <a:extLst>
               <a:ext uri="{FF2B5EF4-FFF2-40B4-BE49-F238E27FC236}">
@@ -7006,134 +6953,6 @@
               <a:rPr lang="en-US" dirty="0"/>
               <a:t>55%</a:t>
             </a:r>
-          </a:p>
-        </p:txBody>
-      </p:sp>
-      <p:sp>
-        <p:nvSpPr>
-          <p:cNvPr id="143" name="TextBox 142">
-            <a:extLst>
-              <a:ext uri="{FF2B5EF4-FFF2-40B4-BE49-F238E27FC236}">
-                <a16:creationId xmlns:a16="http://schemas.microsoft.com/office/drawing/2014/main" id="{C0211767-B47D-7442-A6B9-F13152F0CDB7}"/>
-              </a:ext>
-            </a:extLst>
-          </p:cNvPr>
-          <p:cNvSpPr txBox="1"/>
-          <p:nvPr/>
-        </p:nvSpPr>
-        <p:spPr>
-          <a:xfrm>
-            <a:off x="10824982" y="3503551"/>
-            <a:ext cx="1163460" cy="369332"/>
-          </a:xfrm>
-          <a:prstGeom prst="rect">
-            <a:avLst/>
-          </a:prstGeom>
-          <a:noFill/>
-        </p:spPr>
-        <p:txBody>
-          <a:bodyPr wrap="none" rtlCol="0">
-            <a:spAutoFit/>
-          </a:bodyPr>
-          <a:lstStyle/>
-          <a:p>
-            <a:r>
-              <a:rPr lang="en-US" dirty="0"/>
-              <a:t>Objectives</a:t>
-            </a:r>
-          </a:p>
-        </p:txBody>
-      </p:sp>
-      <p:pic>
-        <p:nvPicPr>
-          <p:cNvPr id="144" name="Graphic 143" descr="Checkbox Checked">
-            <a:extLst>
-              <a:ext uri="{FF2B5EF4-FFF2-40B4-BE49-F238E27FC236}">
-                <a16:creationId xmlns:a16="http://schemas.microsoft.com/office/drawing/2014/main" id="{6E1569E5-9E6B-F14B-84E8-838E5B193DB5}"/>
-              </a:ext>
-            </a:extLst>
-          </p:cNvPr>
-          <p:cNvPicPr>
-            <a:picLocks noChangeAspect="1"/>
-          </p:cNvPicPr>
-          <p:nvPr/>
-        </p:nvPicPr>
-        <p:blipFill>
-          <a:blip r:embed="rId26">
-            <a:extLst>
-              <a:ext uri="{96DAC541-7B7A-43D3-8B79-37D633B846F1}">
-                <asvg:svgBlip xmlns:asvg="http://schemas.microsoft.com/office/drawing/2016/SVG/main" r:embed="rId27"/>
-              </a:ext>
-            </a:extLst>
-          </a:blip>
-          <a:stretch>
-            <a:fillRect/>
-          </a:stretch>
-        </p:blipFill>
-        <p:spPr>
-          <a:xfrm>
-            <a:off x="10314915" y="3421313"/>
-            <a:ext cx="533808" cy="533808"/>
-          </a:xfrm>
-          <a:prstGeom prst="rect">
-            <a:avLst/>
-          </a:prstGeom>
-        </p:spPr>
-      </p:pic>
-      <p:sp>
-        <p:nvSpPr>
-          <p:cNvPr id="3" name="Footer Placeholder 2">
-            <a:extLst>
-              <a:ext uri="{FF2B5EF4-FFF2-40B4-BE49-F238E27FC236}">
-                <a16:creationId xmlns:a16="http://schemas.microsoft.com/office/drawing/2014/main" id="{EE2B386D-6388-4C43-AFF9-4F4106E35FD0}"/>
-              </a:ext>
-            </a:extLst>
-          </p:cNvPr>
-          <p:cNvSpPr>
-            <a:spLocks noGrp="1"/>
-          </p:cNvSpPr>
-          <p:nvPr>
-            <p:ph type="ftr" sz="quarter" idx="11"/>
-          </p:nvPr>
-        </p:nvSpPr>
-        <p:spPr/>
-        <p:txBody>
-          <a:bodyPr/>
-          <a:lstStyle/>
-          <a:p>
-            <a:r>
-              <a:rPr lang="en-US"/>
-              <a:t>https://iter8.tools</a:t>
-            </a:r>
-          </a:p>
-        </p:txBody>
-      </p:sp>
-      <p:sp>
-        <p:nvSpPr>
-          <p:cNvPr id="12" name="Slide Number Placeholder 11">
-            <a:extLst>
-              <a:ext uri="{FF2B5EF4-FFF2-40B4-BE49-F238E27FC236}">
-                <a16:creationId xmlns:a16="http://schemas.microsoft.com/office/drawing/2014/main" id="{B8A59E40-5FD2-8642-AC78-D7D43D436CD1}"/>
-              </a:ext>
-            </a:extLst>
-          </p:cNvPr>
-          <p:cNvSpPr>
-            <a:spLocks noGrp="1"/>
-          </p:cNvSpPr>
-          <p:nvPr>
-            <p:ph type="sldNum" sz="quarter" idx="12"/>
-          </p:nvPr>
-        </p:nvSpPr>
-        <p:spPr/>
-        <p:txBody>
-          <a:bodyPr/>
-          <a:lstStyle/>
-          <a:p>
-            <a:fld id="{B78E2DF1-CA0F-8745-8AE1-A3A61670CB1B}" type="slidenum">
-              <a:rPr lang="en-US" smtClean="0"/>
-              <a:t>1</a:t>
-            </a:fld>
-            <a:endParaRPr lang="en-US"/>
           </a:p>
         </p:txBody>
       </p:sp>
